--- a/slides/2. TypeScript Basics and Basic Types.pptx
+++ b/slides/2. TypeScript Basics and Basic Types.pptx
@@ -15868,10 +15868,10 @@
       </p:sp>
       <p:pic>
         <p:nvPicPr>
-          <p:cNvPr id="5" name="Content Placeholder 4">
+          <p:cNvPr id="8" name="Content Placeholder 7">
             <a:extLst>
               <a:ext uri="{FF2B5EF4-FFF2-40B4-BE49-F238E27FC236}">
-                <a16:creationId xmlns:a16="http://schemas.microsoft.com/office/drawing/2014/main" id="{43A39AA0-5314-DC7A-D2F5-9C7FAF74CDAC}"/>
+                <a16:creationId xmlns:a16="http://schemas.microsoft.com/office/drawing/2014/main" id="{CE8257B1-0515-1F7C-A2B9-52A6E297D57F}"/>
               </a:ext>
             </a:extLst>
           </p:cNvPr>
@@ -15890,8 +15890,8 @@
         </p:blipFill>
         <p:spPr>
           <a:xfrm>
-            <a:off x="5118100" y="2510846"/>
-            <a:ext cx="6281738" cy="1833132"/>
+            <a:off x="5118100" y="1710712"/>
+            <a:ext cx="6281738" cy="3433400"/>
           </a:xfrm>
           <a:prstGeom prst="rect">
             <a:avLst/>
